--- a/plugfest/2017-burlingame/CollectionServientInfo20171019-panasonic.pptx
+++ b/plugfest/2017-burlingame/CollectionServientInfo20171019-panasonic.pptx
@@ -114,7 +114,7 @@
   </p:defaultTextStyle>
   <p:extLst>
     <p:ext uri="{EFAFB233-063F-42B5-8137-9DF3F51BA10A}">
-      <p15:sldGuideLst xmlns:p15="http://schemas.microsoft.com/office/powerpoint/2012/main" xmlns="">
+      <p15:sldGuideLst xmlns="" xmlns:p15="http://schemas.microsoft.com/office/powerpoint/2012/main">
         <p15:guide id="1" orient="horz" pos="2160">
           <p15:clr>
             <a:srgbClr val="A4A3A4"/>
@@ -214,7 +214,7 @@
             <a:fld id="{3E8BF924-DA88-4FCE-A9BC-EB81A1D4C2A5}" type="datetimeFigureOut">
               <a:rPr kumimoji="1" lang="ja-JP" altLang="en-US" smtClean="0"/>
               <a:pPr/>
-              <a:t>2017/10/19</a:t>
+              <a:t>2017/10/23</a:t>
             </a:fld>
             <a:endParaRPr kumimoji="1" lang="ja-JP" altLang="en-US"/>
           </a:p>
@@ -817,7 +817,7 @@
             <a:fld id="{300EF839-8954-4B02-B699-BCFEDCE9E621}" type="datetime1">
               <a:rPr kumimoji="1" lang="ja-JP" altLang="en-US" smtClean="0"/>
               <a:pPr/>
-              <a:t>2017/10/19</a:t>
+              <a:t>2017/10/23</a:t>
             </a:fld>
             <a:endParaRPr kumimoji="1" lang="ja-JP" altLang="en-US"/>
           </a:p>
@@ -1025,7 +1025,7 @@
             <a:fld id="{382CDDB7-2A01-447F-9DD1-316C2B8B4D16}" type="datetime1">
               <a:rPr kumimoji="1" lang="ja-JP" altLang="en-US" smtClean="0"/>
               <a:pPr/>
-              <a:t>2017/10/19</a:t>
+              <a:t>2017/10/23</a:t>
             </a:fld>
             <a:endParaRPr kumimoji="1" lang="ja-JP" altLang="en-US"/>
           </a:p>
@@ -1243,7 +1243,7 @@
             <a:fld id="{FF8EC44C-2380-45CA-8785-7F8615616B00}" type="datetime1">
               <a:rPr kumimoji="1" lang="ja-JP" altLang="en-US" smtClean="0"/>
               <a:pPr/>
-              <a:t>2017/10/19</a:t>
+              <a:t>2017/10/23</a:t>
             </a:fld>
             <a:endParaRPr kumimoji="1" lang="ja-JP" altLang="en-US"/>
           </a:p>
@@ -1451,7 +1451,7 @@
             <a:fld id="{38FDC1A9-6A7A-494E-948C-6B94A8BE12C1}" type="datetime1">
               <a:rPr kumimoji="1" lang="ja-JP" altLang="en-US" smtClean="0"/>
               <a:pPr/>
-              <a:t>2017/10/19</a:t>
+              <a:t>2017/10/23</a:t>
             </a:fld>
             <a:endParaRPr kumimoji="1" lang="ja-JP" altLang="en-US"/>
           </a:p>
@@ -1701,7 +1701,7 @@
             <a:fld id="{992E78D6-6E02-479C-AC13-27E704076338}" type="datetime1">
               <a:rPr kumimoji="1" lang="ja-JP" altLang="en-US" smtClean="0"/>
               <a:pPr/>
-              <a:t>2017/10/19</a:t>
+              <a:t>2017/10/23</a:t>
             </a:fld>
             <a:endParaRPr kumimoji="1" lang="ja-JP" altLang="en-US"/>
           </a:p>
@@ -2003,7 +2003,7 @@
             <a:fld id="{C380AF01-426F-49A2-B987-23A17F0CDAEA}" type="datetime1">
               <a:rPr kumimoji="1" lang="ja-JP" altLang="en-US" smtClean="0"/>
               <a:pPr/>
-              <a:t>2017/10/19</a:t>
+              <a:t>2017/10/23</a:t>
             </a:fld>
             <a:endParaRPr kumimoji="1" lang="ja-JP" altLang="en-US"/>
           </a:p>
@@ -2440,7 +2440,7 @@
             <a:fld id="{E2ECAFC3-5E59-4FB9-9279-2D2E5ED03201}" type="datetime1">
               <a:rPr kumimoji="1" lang="ja-JP" altLang="en-US" smtClean="0"/>
               <a:pPr/>
-              <a:t>2017/10/19</a:t>
+              <a:t>2017/10/23</a:t>
             </a:fld>
             <a:endParaRPr kumimoji="1" lang="ja-JP" altLang="en-US"/>
           </a:p>
@@ -2564,7 +2564,7 @@
             <a:fld id="{CEBB6328-49D9-4207-B262-BE50C717813B}" type="datetime1">
               <a:rPr kumimoji="1" lang="ja-JP" altLang="en-US" smtClean="0"/>
               <a:pPr/>
-              <a:t>2017/10/19</a:t>
+              <a:t>2017/10/23</a:t>
             </a:fld>
             <a:endParaRPr kumimoji="1" lang="ja-JP" altLang="en-US"/>
           </a:p>
@@ -2665,7 +2665,7 @@
             <a:fld id="{83BB4F48-94C6-49C4-A48B-44DC13C6B37E}" type="datetime1">
               <a:rPr kumimoji="1" lang="ja-JP" altLang="en-US" smtClean="0"/>
               <a:pPr/>
-              <a:t>2017/10/19</a:t>
+              <a:t>2017/10/23</a:t>
             </a:fld>
             <a:endParaRPr kumimoji="1" lang="ja-JP" altLang="en-US"/>
           </a:p>
@@ -2980,7 +2980,7 @@
             <a:fld id="{EF112E10-CB9C-426C-AE2D-E720674FA422}" type="datetime1">
               <a:rPr kumimoji="1" lang="ja-JP" altLang="en-US" smtClean="0"/>
               <a:pPr/>
-              <a:t>2017/10/19</a:t>
+              <a:t>2017/10/23</a:t>
             </a:fld>
             <a:endParaRPr kumimoji="1" lang="ja-JP" altLang="en-US"/>
           </a:p>
@@ -3243,7 +3243,7 @@
             <a:fld id="{577DDD58-9E50-4495-A829-C4028BD917E6}" type="datetime1">
               <a:rPr kumimoji="1" lang="ja-JP" altLang="en-US" smtClean="0"/>
               <a:pPr/>
-              <a:t>2017/10/19</a:t>
+              <a:t>2017/10/23</a:t>
             </a:fld>
             <a:endParaRPr kumimoji="1" lang="ja-JP" altLang="en-US"/>
           </a:p>
@@ -3494,7 +3494,7 @@
             <a:fld id="{293DADB0-860D-4BC4-BE47-758CD349A265}" type="datetime1">
               <a:rPr kumimoji="1" lang="ja-JP" altLang="en-US" smtClean="0"/>
               <a:pPr/>
-              <a:t>2017/10/19</a:t>
+              <a:t>2017/10/23</a:t>
             </a:fld>
             <a:endParaRPr kumimoji="1" lang="ja-JP" altLang="en-US"/>
           </a:p>
@@ -10153,14 +10153,14 @@
             <p:ph idx="1"/>
             <p:extLst>
               <p:ext uri="{D42A27DB-BD31-4B8C-83A1-F6EECF244321}">
-                <p14:modId xmlns:p14="http://schemas.microsoft.com/office/powerpoint/2010/main" val="2861627151"/>
+                <p14:modId xmlns:p14="http://schemas.microsoft.com/office/powerpoint/2010/main" val="470979300"/>
               </p:ext>
             </p:extLst>
           </p:nvPr>
         </p:nvGraphicFramePr>
         <p:xfrm>
           <a:off x="165101" y="1825625"/>
-          <a:ext cx="8769353" cy="4480560"/>
+          <a:ext cx="8769353" cy="4566920"/>
         </p:xfrm>
         <a:graphic>
           <a:graphicData uri="http://schemas.openxmlformats.org/drawingml/2006/table">
@@ -10372,8 +10372,8 @@
                     <a:lstStyle/>
                     <a:p>
                       <a:r>
-                        <a:rPr kumimoji="1" lang="en-US" altLang="ja-JP" sz="1200" smtClean="0"/>
-                        <a:t>Scripting/NodeRED</a:t>
+                        <a:rPr kumimoji="1" lang="en-US" altLang="ja-JP" sz="1200" dirty="0" err="1" smtClean="0"/>
+                        <a:t>NodeRED</a:t>
                       </a:r>
                       <a:endParaRPr kumimoji="1" lang="ja-JP" altLang="en-US" sz="1200" dirty="0"/>
                     </a:p>
@@ -10498,21 +10498,17 @@
                   </a:txBody>
                   <a:tcPr/>
                 </a:tc>
-                <a:tc>
-                  <a:txBody>
-                    <a:bodyPr/>
-                    <a:lstStyle/>
-                    <a:p>
-                      <a:r>
-                        <a:rPr kumimoji="1" lang="de-DE" altLang="ja-JP" sz="1200" dirty="0" smtClean="0"/>
-                        <a:t>https</a:t>
-                      </a:r>
-                      <a:endParaRPr kumimoji="1" lang="ja-JP" altLang="en-US" sz="1200" dirty="0"/>
-                    </a:p>
-                  </a:txBody>
-                  <a:tcPr/>
-                </a:tc>
-                <a:tc>
+                <a:tc gridSpan="2">
+                  <a:txBody>
+                    <a:bodyPr/>
+                    <a:lstStyle/>
+                    <a:p>
+                      <a:endParaRPr lang="ja-JP" altLang="en-US" dirty="0"/>
+                    </a:p>
+                  </a:txBody>
+                  <a:tcPr/>
+                </a:tc>
+                <a:tc hMerge="1">
                   <a:txBody>
                     <a:bodyPr/>
                     <a:lstStyle/>
@@ -10534,11 +10530,7 @@
                         <a:tabLst/>
                         <a:defRPr/>
                       </a:pPr>
-                      <a:r>
-                        <a:rPr kumimoji="1" lang="en-US" altLang="ja-JP" sz="1200" dirty="0" err="1" smtClean="0"/>
-                        <a:t>https+wss</a:t>
-                      </a:r>
-                      <a:endParaRPr kumimoji="1" lang="ja-JP" altLang="en-US" sz="1200" smtClean="0"/>
+                      <a:endParaRPr kumimoji="1" lang="ja-JP" altLang="en-US" sz="1200" dirty="0" smtClean="0"/>
                     </a:p>
                   </a:txBody>
                   <a:tcPr/>
@@ -10664,7 +10656,7 @@
                     <a:bodyPr/>
                     <a:lstStyle/>
                     <a:p>
-                      <a:endParaRPr kumimoji="1" lang="ja-JP" altLang="en-US" sz="1200" dirty="0"/>
+                      <a:endParaRPr lang="ja-JP" altLang="en-US" dirty="0"/>
                     </a:p>
                   </a:txBody>
                   <a:tcPr/>
@@ -10987,22 +10979,30 @@
                   </a:txBody>
                   <a:tcPr/>
                 </a:tc>
-                <a:tc gridSpan="2">
-                  <a:txBody>
-                    <a:bodyPr/>
-                    <a:lstStyle/>
-                    <a:p>
+                <a:tc>
+                  <a:txBody>
+                    <a:bodyPr/>
+                    <a:lstStyle/>
+                    <a:p>
+                      <a:r>
+                        <a:rPr kumimoji="1" lang="en-US" altLang="ja-JP" sz="1200" smtClean="0"/>
+                        <a:t>https</a:t>
+                      </a:r>
                       <a:endParaRPr kumimoji="1" lang="ja-JP" altLang="en-US" sz="1200" dirty="0"/>
                     </a:p>
                   </a:txBody>
                   <a:tcPr/>
                 </a:tc>
-                <a:tc hMerge="1">
-                  <a:txBody>
-                    <a:bodyPr/>
-                    <a:lstStyle/>
-                    <a:p>
-                      <a:endParaRPr lang="de-DE"/>
+                <a:tc>
+                  <a:txBody>
+                    <a:bodyPr/>
+                    <a:lstStyle/>
+                    <a:p>
+                      <a:r>
+                        <a:rPr kumimoji="1" lang="en-US" altLang="ja-JP" sz="1200" dirty="0" err="1" smtClean="0"/>
+                        <a:t>https+wss</a:t>
+                      </a:r>
+                      <a:endParaRPr kumimoji="1" lang="ja-JP" altLang="en-US" sz="1200" dirty="0"/>
                     </a:p>
                   </a:txBody>
                   <a:tcPr/>
@@ -12930,7 +12930,7 @@
   <a:extraClrSchemeLst/>
   <a:extLst>
     <a:ext uri="{05A4C25C-085E-4340-85A3-A5531E510DB2}">
-      <thm15:themeFamily xmlns:thm15="http://schemas.microsoft.com/office/thememl/2012/main" xmlns="" name="Office Theme" id="{62F939B6-93AF-4DB8-9C6B-D6C7DFDC589F}" vid="{4A3C46E8-61CC-4603-A589-7422A47A8E4A}"/>
+      <thm15:themeFamily xmlns="" xmlns:thm15="http://schemas.microsoft.com/office/thememl/2012/main" name="Office Theme" id="{62F939B6-93AF-4DB8-9C6B-D6C7DFDC589F}" vid="{4A3C46E8-61CC-4603-A589-7422A47A8E4A}"/>
     </a:ext>
   </a:extLst>
 </a:theme>
@@ -13191,7 +13191,7 @@
   <a:extraClrSchemeLst/>
   <a:extLst>
     <a:ext uri="{05A4C25C-085E-4340-85A3-A5531E510DB2}">
-      <thm15:themeFamily xmlns:thm15="http://schemas.microsoft.com/office/thememl/2012/main" xmlns="" name="Office Theme" id="{62F939B6-93AF-4DB8-9C6B-D6C7DFDC589F}" vid="{4A3C46E8-61CC-4603-A589-7422A47A8E4A}"/>
+      <thm15:themeFamily xmlns="" xmlns:thm15="http://schemas.microsoft.com/office/thememl/2012/main" name="Office Theme" id="{62F939B6-93AF-4DB8-9C6B-D6C7DFDC589F}" vid="{4A3C46E8-61CC-4603-A589-7422A47A8E4A}"/>
     </a:ext>
   </a:extLst>
 </a:theme>
